--- a/SchemaPIC.pptx
+++ b/SchemaPIC.pptx
@@ -6399,47 +6399,6 @@
             </a:p>
           </p:txBody>
         </p:sp>
-        <p:pic>
-          <p:nvPicPr>
-            <p:cNvPr id="3088" name="Picture 16" descr="Afficher l'image d'origine"/>
-            <p:cNvPicPr>
-              <a:picLocks noChangeAspect="1" noChangeArrowheads="1"/>
-            </p:cNvPicPr>
-            <p:nvPr/>
-          </p:nvPicPr>
-          <p:blipFill>
-            <a:blip r:embed="rId11" cstate="print">
-              <a:extLst>
-                <a:ext uri="{28A0092B-C50C-407E-A947-70E740481C1C}">
-                  <a14:useLocalDpi xmlns:a14="http://schemas.microsoft.com/office/drawing/2010/main" val="0"/>
-                </a:ext>
-              </a:extLst>
-            </a:blip>
-            <a:srcRect/>
-            <a:stretch>
-              <a:fillRect/>
-            </a:stretch>
-          </p:blipFill>
-          <p:spPr bwMode="auto">
-            <a:xfrm>
-              <a:off x="2903698" y="594476"/>
-              <a:ext cx="960524" cy="480262"/>
-            </a:xfrm>
-            <a:prstGeom prst="rect">
-              <a:avLst/>
-            </a:prstGeom>
-            <a:noFill/>
-            <a:extLst>
-              <a:ext uri="{909E8E84-426E-40DD-AFC4-6F175D3DCCD1}">
-                <a14:hiddenFill xmlns:a14="http://schemas.microsoft.com/office/drawing/2010/main">
-                  <a:solidFill>
-                    <a:srgbClr val="FFFFFF"/>
-                  </a:solidFill>
-                </a14:hiddenFill>
-              </a:ext>
-            </a:extLst>
-          </p:spPr>
-        </p:pic>
         <p:sp>
           <p:nvSpPr>
             <p:cNvPr id="71" name="Rectangle à coins arrondis 70"/>
@@ -6524,6 +6483,45 @@
           </p:style>
         </p:cxnSp>
       </p:grpSp>
+      <p:pic>
+        <p:nvPicPr>
+          <p:cNvPr id="3" name="Picture 4" descr="https://www.mattermost.org/wp-content/uploads/2016/03/logoVerticalPreview.png"/>
+          <p:cNvPicPr>
+            <a:picLocks noChangeAspect="1" noChangeArrowheads="1"/>
+          </p:cNvPicPr>
+          <p:nvPr/>
+        </p:nvPicPr>
+        <p:blipFill rotWithShape="1">
+          <a:blip r:embed="rId11">
+            <a:extLst>
+              <a:ext uri="{28A0092B-C50C-407E-A947-70E740481C1C}">
+                <a14:useLocalDpi xmlns:a14="http://schemas.microsoft.com/office/drawing/2010/main" val="0"/>
+              </a:ext>
+            </a:extLst>
+          </a:blip>
+          <a:srcRect l="8776" t="19400" r="9783" b="21369"/>
+          <a:stretch/>
+        </p:blipFill>
+        <p:spPr bwMode="auto">
+          <a:xfrm>
+            <a:off x="2915816" y="586992"/>
+            <a:ext cx="924232" cy="537752"/>
+          </a:xfrm>
+          <a:prstGeom prst="rect">
+            <a:avLst/>
+          </a:prstGeom>
+          <a:noFill/>
+          <a:extLst>
+            <a:ext uri="{909E8E84-426E-40DD-AFC4-6F175D3DCCD1}">
+              <a14:hiddenFill xmlns:a14="http://schemas.microsoft.com/office/drawing/2010/main">
+                <a:solidFill>
+                  <a:srgbClr val="FFFFFF"/>
+                </a:solidFill>
+              </a14:hiddenFill>
+            </a:ext>
+          </a:extLst>
+        </p:spPr>
+      </p:pic>
     </p:spTree>
     <p:extLst>
       <p:ext uri="{BB962C8B-B14F-4D97-AF65-F5344CB8AC3E}">
@@ -8095,47 +8093,6 @@
             </a:p>
           </p:txBody>
         </p:sp>
-        <p:pic>
-          <p:nvPicPr>
-            <p:cNvPr id="55" name="Picture 16" descr="Afficher l'image d'origine"/>
-            <p:cNvPicPr>
-              <a:picLocks noChangeAspect="1" noChangeArrowheads="1"/>
-            </p:cNvPicPr>
-            <p:nvPr/>
-          </p:nvPicPr>
-          <p:blipFill>
-            <a:blip r:embed="rId12" cstate="print">
-              <a:extLst>
-                <a:ext uri="{28A0092B-C50C-407E-A947-70E740481C1C}">
-                  <a14:useLocalDpi xmlns:a14="http://schemas.microsoft.com/office/drawing/2010/main" val="0"/>
-                </a:ext>
-              </a:extLst>
-            </a:blip>
-            <a:srcRect/>
-            <a:stretch>
-              <a:fillRect/>
-            </a:stretch>
-          </p:blipFill>
-          <p:spPr bwMode="auto">
-            <a:xfrm>
-              <a:off x="2903698" y="594476"/>
-              <a:ext cx="960524" cy="480262"/>
-            </a:xfrm>
-            <a:prstGeom prst="rect">
-              <a:avLst/>
-            </a:prstGeom>
-            <a:noFill/>
-            <a:extLst>
-              <a:ext uri="{909E8E84-426E-40DD-AFC4-6F175D3DCCD1}">
-                <a14:hiddenFill xmlns:a14="http://schemas.microsoft.com/office/drawing/2010/main">
-                  <a:solidFill>
-                    <a:srgbClr val="FFFFFF"/>
-                  </a:solidFill>
-                </a14:hiddenFill>
-              </a:ext>
-            </a:extLst>
-          </p:spPr>
-        </p:pic>
         <p:sp>
           <p:nvSpPr>
             <p:cNvPr id="57" name="Rectangle à coins arrondis 56"/>
@@ -8220,6 +8177,45 @@
           </p:style>
         </p:cxnSp>
       </p:grpSp>
+      <p:pic>
+        <p:nvPicPr>
+          <p:cNvPr id="49" name="Picture 4" descr="https://www.mattermost.org/wp-content/uploads/2016/03/logoVerticalPreview.png"/>
+          <p:cNvPicPr>
+            <a:picLocks noChangeAspect="1" noChangeArrowheads="1"/>
+          </p:cNvPicPr>
+          <p:nvPr/>
+        </p:nvPicPr>
+        <p:blipFill rotWithShape="1">
+          <a:blip r:embed="rId12">
+            <a:extLst>
+              <a:ext uri="{28A0092B-C50C-407E-A947-70E740481C1C}">
+                <a14:useLocalDpi xmlns:a14="http://schemas.microsoft.com/office/drawing/2010/main" val="0"/>
+              </a:ext>
+            </a:extLst>
+          </a:blip>
+          <a:srcRect l="8776" t="19400" r="9783" b="21369"/>
+          <a:stretch/>
+        </p:blipFill>
+        <p:spPr bwMode="auto">
+          <a:xfrm>
+            <a:off x="2915816" y="586992"/>
+            <a:ext cx="924232" cy="537752"/>
+          </a:xfrm>
+          <a:prstGeom prst="rect">
+            <a:avLst/>
+          </a:prstGeom>
+          <a:noFill/>
+          <a:extLst>
+            <a:ext uri="{909E8E84-426E-40DD-AFC4-6F175D3DCCD1}">
+              <a14:hiddenFill xmlns:a14="http://schemas.microsoft.com/office/drawing/2010/main">
+                <a:solidFill>
+                  <a:srgbClr val="FFFFFF"/>
+                </a:solidFill>
+              </a14:hiddenFill>
+            </a:ext>
+          </a:extLst>
+        </p:spPr>
+      </p:pic>
     </p:spTree>
     <p:extLst>
       <p:ext uri="{BB962C8B-B14F-4D97-AF65-F5344CB8AC3E}">
@@ -10195,47 +10191,6 @@
             </a:p>
           </p:txBody>
         </p:sp>
-        <p:pic>
-          <p:nvPicPr>
-            <p:cNvPr id="97" name="Picture 16" descr="Afficher l'image d'origine"/>
-            <p:cNvPicPr>
-              <a:picLocks noChangeAspect="1" noChangeArrowheads="1"/>
-            </p:cNvPicPr>
-            <p:nvPr/>
-          </p:nvPicPr>
-          <p:blipFill>
-            <a:blip r:embed="rId13" cstate="print">
-              <a:extLst>
-                <a:ext uri="{28A0092B-C50C-407E-A947-70E740481C1C}">
-                  <a14:useLocalDpi xmlns:a14="http://schemas.microsoft.com/office/drawing/2010/main" val="0"/>
-                </a:ext>
-              </a:extLst>
-            </a:blip>
-            <a:srcRect/>
-            <a:stretch>
-              <a:fillRect/>
-            </a:stretch>
-          </p:blipFill>
-          <p:spPr bwMode="auto">
-            <a:xfrm>
-              <a:off x="2903698" y="594476"/>
-              <a:ext cx="960524" cy="480262"/>
-            </a:xfrm>
-            <a:prstGeom prst="rect">
-              <a:avLst/>
-            </a:prstGeom>
-            <a:noFill/>
-            <a:extLst>
-              <a:ext uri="{909E8E84-426E-40DD-AFC4-6F175D3DCCD1}">
-                <a14:hiddenFill xmlns:a14="http://schemas.microsoft.com/office/drawing/2010/main">
-                  <a:solidFill>
-                    <a:srgbClr val="FFFFFF"/>
-                  </a:solidFill>
-                </a14:hiddenFill>
-              </a:ext>
-            </a:extLst>
-          </p:spPr>
-        </p:pic>
         <p:sp>
           <p:nvSpPr>
             <p:cNvPr id="98" name="Rectangle à coins arrondis 97"/>
@@ -10320,6 +10275,45 @@
           </p:style>
         </p:cxnSp>
       </p:grpSp>
+      <p:pic>
+        <p:nvPicPr>
+          <p:cNvPr id="61" name="Picture 4" descr="https://www.mattermost.org/wp-content/uploads/2016/03/logoVerticalPreview.png"/>
+          <p:cNvPicPr>
+            <a:picLocks noChangeAspect="1" noChangeArrowheads="1"/>
+          </p:cNvPicPr>
+          <p:nvPr/>
+        </p:nvPicPr>
+        <p:blipFill rotWithShape="1">
+          <a:blip r:embed="rId13">
+            <a:extLst>
+              <a:ext uri="{28A0092B-C50C-407E-A947-70E740481C1C}">
+                <a14:useLocalDpi xmlns:a14="http://schemas.microsoft.com/office/drawing/2010/main" val="0"/>
+              </a:ext>
+            </a:extLst>
+          </a:blip>
+          <a:srcRect l="8776" t="19400" r="9783" b="21369"/>
+          <a:stretch/>
+        </p:blipFill>
+        <p:spPr bwMode="auto">
+          <a:xfrm>
+            <a:off x="2915816" y="586992"/>
+            <a:ext cx="924232" cy="537752"/>
+          </a:xfrm>
+          <a:prstGeom prst="rect">
+            <a:avLst/>
+          </a:prstGeom>
+          <a:noFill/>
+          <a:extLst>
+            <a:ext uri="{909E8E84-426E-40DD-AFC4-6F175D3DCCD1}">
+              <a14:hiddenFill xmlns:a14="http://schemas.microsoft.com/office/drawing/2010/main">
+                <a:solidFill>
+                  <a:srgbClr val="FFFFFF"/>
+                </a:solidFill>
+              </a14:hiddenFill>
+            </a:ext>
+          </a:extLst>
+        </p:spPr>
+      </p:pic>
     </p:spTree>
     <p:extLst>
       <p:ext uri="{BB962C8B-B14F-4D97-AF65-F5344CB8AC3E}">
